--- a/blockchain/blockhain_python.pptx
+++ b/blockchain/blockhain_python.pptx
@@ -6,6 +6,7 @@
   </p:sldMasterIdLst>
   <p:sldIdLst>
     <p:sldId id="256" r:id="rId2"/>
+    <p:sldId id="258" r:id="rId3"/>
   </p:sldIdLst>
   <p:sldSz cx="12192000" cy="6858000"/>
   <p:notesSz cx="6858000" cy="9144000"/>
@@ -104,6 +105,11 @@
       </a:defRPr>
     </a:lvl9pPr>
   </p:defaultTextStyle>
+  <p:extLst>
+    <p:ext uri="{EFAFB233-063F-42B5-8137-9DF3F51BA10A}">
+      <p15:sldGuideLst xmlns:p15="http://schemas.microsoft.com/office/powerpoint/2012/main"/>
+    </p:ext>
+  </p:extLst>
 </p:presentation>
 </file>
 
@@ -238,7 +244,7 @@
           <a:p>
             <a:fld id="{D740566C-FE3F-4C68-B5FC-69E8E0A07A36}" type="datetimeFigureOut">
               <a:rPr lang="zh-TW" altLang="en-US" smtClean="0"/>
-              <a:t>2018/11/22</a:t>
+              <a:t>2018/12/10</a:t>
             </a:fld>
             <a:endParaRPr lang="zh-TW" altLang="en-US"/>
           </a:p>
@@ -408,7 +414,7 @@
           <a:p>
             <a:fld id="{D740566C-FE3F-4C68-B5FC-69E8E0A07A36}" type="datetimeFigureOut">
               <a:rPr lang="zh-TW" altLang="en-US" smtClean="0"/>
-              <a:t>2018/11/22</a:t>
+              <a:t>2018/12/10</a:t>
             </a:fld>
             <a:endParaRPr lang="zh-TW" altLang="en-US"/>
           </a:p>
@@ -588,7 +594,7 @@
           <a:p>
             <a:fld id="{D740566C-FE3F-4C68-B5FC-69E8E0A07A36}" type="datetimeFigureOut">
               <a:rPr lang="zh-TW" altLang="en-US" smtClean="0"/>
-              <a:t>2018/11/22</a:t>
+              <a:t>2018/12/10</a:t>
             </a:fld>
             <a:endParaRPr lang="zh-TW" altLang="en-US"/>
           </a:p>
@@ -758,7 +764,7 @@
           <a:p>
             <a:fld id="{D740566C-FE3F-4C68-B5FC-69E8E0A07A36}" type="datetimeFigureOut">
               <a:rPr lang="zh-TW" altLang="en-US" smtClean="0"/>
-              <a:t>2018/11/22</a:t>
+              <a:t>2018/12/10</a:t>
             </a:fld>
             <a:endParaRPr lang="zh-TW" altLang="en-US"/>
           </a:p>
@@ -1004,7 +1010,7 @@
           <a:p>
             <a:fld id="{D740566C-FE3F-4C68-B5FC-69E8E0A07A36}" type="datetimeFigureOut">
               <a:rPr lang="zh-TW" altLang="en-US" smtClean="0"/>
-              <a:t>2018/11/22</a:t>
+              <a:t>2018/12/10</a:t>
             </a:fld>
             <a:endParaRPr lang="zh-TW" altLang="en-US"/>
           </a:p>
@@ -1236,7 +1242,7 @@
           <a:p>
             <a:fld id="{D740566C-FE3F-4C68-B5FC-69E8E0A07A36}" type="datetimeFigureOut">
               <a:rPr lang="zh-TW" altLang="en-US" smtClean="0"/>
-              <a:t>2018/11/22</a:t>
+              <a:t>2018/12/10</a:t>
             </a:fld>
             <a:endParaRPr lang="zh-TW" altLang="en-US"/>
           </a:p>
@@ -1603,7 +1609,7 @@
           <a:p>
             <a:fld id="{D740566C-FE3F-4C68-B5FC-69E8E0A07A36}" type="datetimeFigureOut">
               <a:rPr lang="zh-TW" altLang="en-US" smtClean="0"/>
-              <a:t>2018/11/22</a:t>
+              <a:t>2018/12/10</a:t>
             </a:fld>
             <a:endParaRPr lang="zh-TW" altLang="en-US"/>
           </a:p>
@@ -1721,7 +1727,7 @@
           <a:p>
             <a:fld id="{D740566C-FE3F-4C68-B5FC-69E8E0A07A36}" type="datetimeFigureOut">
               <a:rPr lang="zh-TW" altLang="en-US" smtClean="0"/>
-              <a:t>2018/11/22</a:t>
+              <a:t>2018/12/10</a:t>
             </a:fld>
             <a:endParaRPr lang="zh-TW" altLang="en-US"/>
           </a:p>
@@ -1816,7 +1822,7 @@
           <a:p>
             <a:fld id="{D740566C-FE3F-4C68-B5FC-69E8E0A07A36}" type="datetimeFigureOut">
               <a:rPr lang="zh-TW" altLang="en-US" smtClean="0"/>
-              <a:t>2018/11/22</a:t>
+              <a:t>2018/12/10</a:t>
             </a:fld>
             <a:endParaRPr lang="zh-TW" altLang="en-US"/>
           </a:p>
@@ -2093,7 +2099,7 @@
           <a:p>
             <a:fld id="{D740566C-FE3F-4C68-B5FC-69E8E0A07A36}" type="datetimeFigureOut">
               <a:rPr lang="zh-TW" altLang="en-US" smtClean="0"/>
-              <a:t>2018/11/22</a:t>
+              <a:t>2018/12/10</a:t>
             </a:fld>
             <a:endParaRPr lang="zh-TW" altLang="en-US"/>
           </a:p>
@@ -2346,7 +2352,7 @@
           <a:p>
             <a:fld id="{D740566C-FE3F-4C68-B5FC-69E8E0A07A36}" type="datetimeFigureOut">
               <a:rPr lang="zh-TW" altLang="en-US" smtClean="0"/>
-              <a:t>2018/11/22</a:t>
+              <a:t>2018/12/10</a:t>
             </a:fld>
             <a:endParaRPr lang="zh-TW" altLang="en-US"/>
           </a:p>
@@ -2559,7 +2565,7 @@
           <a:p>
             <a:fld id="{D740566C-FE3F-4C68-B5FC-69E8E0A07A36}" type="datetimeFigureOut">
               <a:rPr lang="zh-TW" altLang="en-US" smtClean="0"/>
-              <a:t>2018/11/22</a:t>
+              <a:t>2018/12/10</a:t>
             </a:fld>
             <a:endParaRPr lang="zh-TW" altLang="en-US"/>
           </a:p>
@@ -3083,6 +3089,274 @@
   <p:clrMapOvr>
     <a:masterClrMapping/>
   </p:clrMapOvr>
+  <p:timing>
+    <p:tnLst>
+      <p:par>
+        <p:cTn id="1" dur="indefinite" restart="never" nodeType="tmRoot"/>
+      </p:par>
+    </p:tnLst>
+  </p:timing>
+</p:sld>
+</file>
+
+<file path=ppt/slides/slide2.xml><?xml version="1.0" encoding="utf-8"?>
+<p:sld xmlns:a="http://schemas.openxmlformats.org/drawingml/2006/main" xmlns:r="http://schemas.openxmlformats.org/officeDocument/2006/relationships" xmlns:p="http://schemas.openxmlformats.org/presentationml/2006/main">
+  <p:cSld>
+    <p:spTree>
+      <p:nvGrpSpPr>
+        <p:cNvPr id="1" name=""/>
+        <p:cNvGrpSpPr/>
+        <p:nvPr/>
+      </p:nvGrpSpPr>
+      <p:grpSpPr>
+        <a:xfrm>
+          <a:off x="0" y="0"/>
+          <a:ext cx="0" cy="0"/>
+          <a:chOff x="0" y="0"/>
+          <a:chExt cx="0" cy="0"/>
+        </a:xfrm>
+      </p:grpSpPr>
+      <p:sp>
+        <p:nvSpPr>
+          <p:cNvPr id="5" name="矩形 4"/>
+          <p:cNvSpPr/>
+          <p:nvPr/>
+        </p:nvSpPr>
+        <p:spPr>
+          <a:xfrm>
+            <a:off x="3077497" y="691335"/>
+            <a:ext cx="5868145" cy="523220"/>
+          </a:xfrm>
+          <a:prstGeom prst="rect">
+            <a:avLst/>
+          </a:prstGeom>
+        </p:spPr>
+        <p:txBody>
+          <a:bodyPr wrap="none">
+            <a:spAutoFit/>
+          </a:bodyPr>
+          <a:lstStyle/>
+          <a:p>
+            <a:r>
+              <a:rPr lang="en-US" altLang="zh-TW" sz="2800" b="1" dirty="0" smtClean="0"/>
+              <a:t>blockchain-python-tutorial-master_10</a:t>
+            </a:r>
+            <a:endParaRPr lang="zh-TW" altLang="en-US" sz="2800" b="1" dirty="0"/>
+          </a:p>
+        </p:txBody>
+      </p:sp>
+      <p:sp>
+        <p:nvSpPr>
+          <p:cNvPr id="6" name="矩形 5"/>
+          <p:cNvSpPr/>
+          <p:nvPr/>
+        </p:nvSpPr>
+        <p:spPr>
+          <a:xfrm>
+            <a:off x="2472626" y="1488377"/>
+            <a:ext cx="7077885" cy="4893647"/>
+          </a:xfrm>
+          <a:prstGeom prst="rect">
+            <a:avLst/>
+          </a:prstGeom>
+        </p:spPr>
+        <p:txBody>
+          <a:bodyPr wrap="square">
+            <a:spAutoFit/>
+          </a:bodyPr>
+          <a:lstStyle/>
+          <a:p>
+            <a:r>
+              <a:rPr lang="en-US" altLang="zh-TW" sz="2400" b="1" dirty="0" smtClean="0"/>
+              <a:t>1. Hash function  nonce</a:t>
+            </a:r>
+            <a:endParaRPr lang="en-US" altLang="zh-TW" sz="2400" b="1" dirty="0"/>
+          </a:p>
+          <a:p>
+            <a:r>
+              <a:rPr lang="en-US" altLang="zh-TW" sz="2400" b="1" dirty="0" smtClean="0"/>
+              <a:t>2. </a:t>
+            </a:r>
+            <a:r>
+              <a:rPr lang="en-US" altLang="zh-TW" sz="2400" b="1" dirty="0" err="1" smtClean="0"/>
+              <a:t>Clinent</a:t>
+            </a:r>
+            <a:r>
+              <a:rPr lang="en-US" altLang="zh-TW" sz="2400" b="1" dirty="0"/>
+              <a:t> </a:t>
+            </a:r>
+            <a:r>
+              <a:rPr lang="en-US" altLang="zh-TW" sz="2400" b="1" dirty="0" smtClean="0"/>
+              <a:t>:</a:t>
+            </a:r>
+            <a:r>
+              <a:rPr lang="en-US" altLang="zh-TW" sz="2400" b="1" dirty="0"/>
+              <a:t>Configuration</a:t>
+            </a:r>
+          </a:p>
+          <a:p>
+            <a:r>
+              <a:rPr lang="en-US" altLang="zh-TW" sz="2400" b="1" dirty="0" smtClean="0"/>
+              <a:t>3. </a:t>
+            </a:r>
+            <a:r>
+              <a:rPr lang="en-US" altLang="zh-TW" sz="2400" b="1" dirty="0" err="1"/>
+              <a:t>Clinent</a:t>
+            </a:r>
+            <a:r>
+              <a:rPr lang="en-US" altLang="zh-TW" sz="2400" b="1" dirty="0"/>
+              <a:t> :</a:t>
+            </a:r>
+            <a:r>
+              <a:rPr lang="en-US" altLang="zh-TW" sz="2400" b="1" dirty="0" err="1" smtClean="0"/>
+              <a:t>view_transaction</a:t>
+            </a:r>
+            <a:endParaRPr lang="en-US" altLang="zh-TW" sz="2400" b="1" dirty="0" smtClean="0"/>
+          </a:p>
+          <a:p>
+            <a:r>
+              <a:rPr lang="en-US" altLang="zh-TW" sz="2400" b="1" dirty="0" smtClean="0"/>
+              <a:t>Master:</a:t>
+            </a:r>
+          </a:p>
+          <a:p>
+            <a:r>
+              <a:rPr lang="en-US" altLang="zh-TW" sz="2400" b="1" dirty="0" smtClean="0"/>
+              <a:t>1.Minning </a:t>
+            </a:r>
+            <a:r>
+              <a:rPr lang="en-US" altLang="zh-TW" sz="2400" b="1" dirty="0" smtClean="0"/>
+              <a:t>No reward </a:t>
+            </a:r>
+          </a:p>
+          <a:p>
+            <a:r>
+              <a:rPr lang="en-US" altLang="zh-TW" sz="2400" b="1" dirty="0" err="1" smtClean="0"/>
+              <a:t>b.</a:t>
+            </a:r>
+            <a:r>
+              <a:rPr lang="en-US" altLang="zh-TW" sz="2400" b="1" dirty="0" err="1" smtClean="0"/>
+              <a:t>hainblock</a:t>
+            </a:r>
+            <a:endParaRPr lang="en-US" altLang="zh-TW" sz="2400" b="1" dirty="0" smtClean="0"/>
+          </a:p>
+          <a:p>
+            <a:r>
+              <a:rPr lang="en-US" altLang="zh-TW" sz="2400" b="1" dirty="0" smtClean="0"/>
+              <a:t>c. Index block number from 2 </a:t>
+            </a:r>
+            <a:endParaRPr lang="en-US" altLang="zh-TW" sz="2400" b="1" dirty="0" smtClean="0"/>
+          </a:p>
+          <a:p>
+            <a:r>
+              <a:rPr lang="en-US" altLang="zh-TW" sz="2400" b="1" dirty="0" smtClean="0"/>
+              <a:t>2.Tran_Energy</a:t>
+            </a:r>
+          </a:p>
+          <a:p>
+            <a:r>
+              <a:rPr lang="en-US" altLang="zh-TW" sz="2400" b="1" dirty="0" smtClean="0"/>
+              <a:t>3.Hash</a:t>
+            </a:r>
+            <a:r>
+              <a:rPr lang="en-US" altLang="zh-TW" sz="2400" b="1" dirty="0" smtClean="0"/>
+              <a:t>, </a:t>
+            </a:r>
+            <a:r>
+              <a:rPr lang="en-US" altLang="zh-TW" sz="2400" b="1" dirty="0" smtClean="0"/>
+              <a:t>nonce</a:t>
+            </a:r>
+          </a:p>
+          <a:p>
+            <a:r>
+              <a:rPr lang="en-US" altLang="zh-TW" sz="2400" b="1" dirty="0" smtClean="0"/>
+              <a:t>4.Two masters mining (port:2000,2002)</a:t>
+            </a:r>
+            <a:endParaRPr lang="en-US" altLang="zh-TW" sz="2400" b="1" dirty="0" smtClean="0"/>
+          </a:p>
+          <a:p>
+            <a:r>
+              <a:rPr lang="en-US" altLang="zh-TW" sz="2400" b="1" dirty="0" smtClean="0"/>
+              <a:t>4. </a:t>
+            </a:r>
+            <a:r>
+              <a:rPr lang="en-US" altLang="zh-TW" sz="2400" b="1" dirty="0" smtClean="0"/>
+              <a:t>Configuration</a:t>
+            </a:r>
+            <a:endParaRPr lang="en-US" altLang="zh-TW" sz="2400" b="1" dirty="0"/>
+          </a:p>
+          <a:p>
+            <a:endParaRPr lang="en-US" altLang="zh-TW" sz="2400" b="1" dirty="0"/>
+          </a:p>
+          <a:p>
+            <a:endParaRPr lang="en-US" altLang="zh-TW" sz="2400" b="1" dirty="0" smtClean="0"/>
+          </a:p>
+        </p:txBody>
+      </p:sp>
+      <p:sp>
+        <p:nvSpPr>
+          <p:cNvPr id="7" name="矩形 6"/>
+          <p:cNvSpPr/>
+          <p:nvPr/>
+        </p:nvSpPr>
+        <p:spPr>
+          <a:xfrm>
+            <a:off x="2848700" y="5540104"/>
+            <a:ext cx="3568541" cy="830997"/>
+          </a:xfrm>
+          <a:prstGeom prst="rect">
+            <a:avLst/>
+          </a:prstGeom>
+        </p:spPr>
+        <p:txBody>
+          <a:bodyPr wrap="none">
+            <a:spAutoFit/>
+          </a:bodyPr>
+          <a:lstStyle/>
+          <a:p>
+            <a:r>
+              <a:rPr lang="en-US" altLang="zh-TW" sz="2400" b="1" dirty="0" smtClean="0">
+                <a:solidFill>
+                  <a:srgbClr val="FF0000"/>
+                </a:solidFill>
+              </a:rPr>
+              <a:t>blockchain_client_10_1.py</a:t>
+            </a:r>
+          </a:p>
+          <a:p>
+            <a:r>
+              <a:rPr lang="en-US" altLang="zh-TW" sz="2400" b="1" dirty="0" smtClean="0">
+                <a:solidFill>
+                  <a:srgbClr val="FF0000"/>
+                </a:solidFill>
+              </a:rPr>
+              <a:t>blockchain_10_1.py</a:t>
+            </a:r>
+            <a:endParaRPr lang="zh-TW" altLang="en-US" sz="2400" b="1" dirty="0">
+              <a:solidFill>
+                <a:srgbClr val="FF0000"/>
+              </a:solidFill>
+            </a:endParaRPr>
+          </a:p>
+        </p:txBody>
+      </p:sp>
+    </p:spTree>
+    <p:extLst>
+      <p:ext uri="{BB962C8B-B14F-4D97-AF65-F5344CB8AC3E}">
+        <p14:creationId xmlns:p14="http://schemas.microsoft.com/office/powerpoint/2010/main" val="2595958282"/>
+      </p:ext>
+    </p:extLst>
+  </p:cSld>
+  <p:clrMapOvr>
+    <a:masterClrMapping/>
+  </p:clrMapOvr>
+  <p:timing>
+    <p:tnLst>
+      <p:par>
+        <p:cTn id="1" dur="indefinite" restart="never" nodeType="tmRoot"/>
+      </p:par>
+    </p:tnLst>
+  </p:timing>
 </p:sld>
 </file>
 
